--- a/연구일지/졸업작품 주간 일지 31주차/논문 그림.pptx
+++ b/연구일지/졸업작품 주간 일지 31주차/논문 그림.pptx
@@ -269,7 +269,7 @@
           <a:p>
             <a:fld id="{68698B24-F54D-4BF0-82E9-6F2CD641BA5F}" type="datetimeFigureOut">
               <a:rPr lang="ko-KR" altLang="en-US" smtClean="0"/>
-              <a:t>2020-08-20</a:t>
+              <a:t>2020-08-31</a:t>
             </a:fld>
             <a:endParaRPr lang="ko-KR" altLang="en-US"/>
           </a:p>
@@ -467,7 +467,7 @@
           <a:p>
             <a:fld id="{68698B24-F54D-4BF0-82E9-6F2CD641BA5F}" type="datetimeFigureOut">
               <a:rPr lang="ko-KR" altLang="en-US" smtClean="0"/>
-              <a:t>2020-08-20</a:t>
+              <a:t>2020-08-31</a:t>
             </a:fld>
             <a:endParaRPr lang="ko-KR" altLang="en-US"/>
           </a:p>
@@ -675,7 +675,7 @@
           <a:p>
             <a:fld id="{68698B24-F54D-4BF0-82E9-6F2CD641BA5F}" type="datetimeFigureOut">
               <a:rPr lang="ko-KR" altLang="en-US" smtClean="0"/>
-              <a:t>2020-08-20</a:t>
+              <a:t>2020-08-31</a:t>
             </a:fld>
             <a:endParaRPr lang="ko-KR" altLang="en-US"/>
           </a:p>
@@ -873,7 +873,7 @@
           <a:p>
             <a:fld id="{68698B24-F54D-4BF0-82E9-6F2CD641BA5F}" type="datetimeFigureOut">
               <a:rPr lang="ko-KR" altLang="en-US" smtClean="0"/>
-              <a:t>2020-08-20</a:t>
+              <a:t>2020-08-31</a:t>
             </a:fld>
             <a:endParaRPr lang="ko-KR" altLang="en-US"/>
           </a:p>
@@ -1148,7 +1148,7 @@
           <a:p>
             <a:fld id="{68698B24-F54D-4BF0-82E9-6F2CD641BA5F}" type="datetimeFigureOut">
               <a:rPr lang="ko-KR" altLang="en-US" smtClean="0"/>
-              <a:t>2020-08-20</a:t>
+              <a:t>2020-08-31</a:t>
             </a:fld>
             <a:endParaRPr lang="ko-KR" altLang="en-US"/>
           </a:p>
@@ -1413,7 +1413,7 @@
           <a:p>
             <a:fld id="{68698B24-F54D-4BF0-82E9-6F2CD641BA5F}" type="datetimeFigureOut">
               <a:rPr lang="ko-KR" altLang="en-US" smtClean="0"/>
-              <a:t>2020-08-20</a:t>
+              <a:t>2020-08-31</a:t>
             </a:fld>
             <a:endParaRPr lang="ko-KR" altLang="en-US"/>
           </a:p>
@@ -1825,7 +1825,7 @@
           <a:p>
             <a:fld id="{68698B24-F54D-4BF0-82E9-6F2CD641BA5F}" type="datetimeFigureOut">
               <a:rPr lang="ko-KR" altLang="en-US" smtClean="0"/>
-              <a:t>2020-08-20</a:t>
+              <a:t>2020-08-31</a:t>
             </a:fld>
             <a:endParaRPr lang="ko-KR" altLang="en-US"/>
           </a:p>
@@ -1966,7 +1966,7 @@
           <a:p>
             <a:fld id="{68698B24-F54D-4BF0-82E9-6F2CD641BA5F}" type="datetimeFigureOut">
               <a:rPr lang="ko-KR" altLang="en-US" smtClean="0"/>
-              <a:t>2020-08-20</a:t>
+              <a:t>2020-08-31</a:t>
             </a:fld>
             <a:endParaRPr lang="ko-KR" altLang="en-US"/>
           </a:p>
@@ -2079,7 +2079,7 @@
           <a:p>
             <a:fld id="{68698B24-F54D-4BF0-82E9-6F2CD641BA5F}" type="datetimeFigureOut">
               <a:rPr lang="ko-KR" altLang="en-US" smtClean="0"/>
-              <a:t>2020-08-20</a:t>
+              <a:t>2020-08-31</a:t>
             </a:fld>
             <a:endParaRPr lang="ko-KR" altLang="en-US"/>
           </a:p>
@@ -2390,7 +2390,7 @@
           <a:p>
             <a:fld id="{68698B24-F54D-4BF0-82E9-6F2CD641BA5F}" type="datetimeFigureOut">
               <a:rPr lang="ko-KR" altLang="en-US" smtClean="0"/>
-              <a:t>2020-08-20</a:t>
+              <a:t>2020-08-31</a:t>
             </a:fld>
             <a:endParaRPr lang="ko-KR" altLang="en-US"/>
           </a:p>
@@ -2678,7 +2678,7 @@
           <a:p>
             <a:fld id="{68698B24-F54D-4BF0-82E9-6F2CD641BA5F}" type="datetimeFigureOut">
               <a:rPr lang="ko-KR" altLang="en-US" smtClean="0"/>
-              <a:t>2020-08-20</a:t>
+              <a:t>2020-08-31</a:t>
             </a:fld>
             <a:endParaRPr lang="ko-KR" altLang="en-US"/>
           </a:p>
@@ -2919,7 +2919,7 @@
           <a:p>
             <a:fld id="{68698B24-F54D-4BF0-82E9-6F2CD641BA5F}" type="datetimeFigureOut">
               <a:rPr lang="ko-KR" altLang="en-US" smtClean="0"/>
-              <a:t>2020-08-20</a:t>
+              <a:t>2020-08-31</a:t>
             </a:fld>
             <a:endParaRPr lang="ko-KR" altLang="en-US"/>
           </a:p>
@@ -11713,7 +11713,7 @@
                     </a:schemeClr>
                   </a:solidFill>
                 </a:rPr>
-                <a:t>weak_ptr&lt;Tp&gt;</a:t>
+                <a:t>weak_ptr&lt;T&gt;</a:t>
               </a:r>
               <a:r>
                 <a:rPr lang="ko-KR" altLang="en-US" sz="800">

--- a/연구일지/졸업작품 주간 일지 31주차/논문 그림.pptx
+++ b/연구일지/졸업작품 주간 일지 31주차/논문 그림.pptx
@@ -269,7 +269,7 @@
           <a:p>
             <a:fld id="{68698B24-F54D-4BF0-82E9-6F2CD641BA5F}" type="datetimeFigureOut">
               <a:rPr lang="ko-KR" altLang="en-US" smtClean="0"/>
-              <a:t>2020-08-31</a:t>
+              <a:t>2020-09-04</a:t>
             </a:fld>
             <a:endParaRPr lang="ko-KR" altLang="en-US"/>
           </a:p>
@@ -467,7 +467,7 @@
           <a:p>
             <a:fld id="{68698B24-F54D-4BF0-82E9-6F2CD641BA5F}" type="datetimeFigureOut">
               <a:rPr lang="ko-KR" altLang="en-US" smtClean="0"/>
-              <a:t>2020-08-31</a:t>
+              <a:t>2020-09-04</a:t>
             </a:fld>
             <a:endParaRPr lang="ko-KR" altLang="en-US"/>
           </a:p>
@@ -675,7 +675,7 @@
           <a:p>
             <a:fld id="{68698B24-F54D-4BF0-82E9-6F2CD641BA5F}" type="datetimeFigureOut">
               <a:rPr lang="ko-KR" altLang="en-US" smtClean="0"/>
-              <a:t>2020-08-31</a:t>
+              <a:t>2020-09-04</a:t>
             </a:fld>
             <a:endParaRPr lang="ko-KR" altLang="en-US"/>
           </a:p>
@@ -873,7 +873,7 @@
           <a:p>
             <a:fld id="{68698B24-F54D-4BF0-82E9-6F2CD641BA5F}" type="datetimeFigureOut">
               <a:rPr lang="ko-KR" altLang="en-US" smtClean="0"/>
-              <a:t>2020-08-31</a:t>
+              <a:t>2020-09-04</a:t>
             </a:fld>
             <a:endParaRPr lang="ko-KR" altLang="en-US"/>
           </a:p>
@@ -1148,7 +1148,7 @@
           <a:p>
             <a:fld id="{68698B24-F54D-4BF0-82E9-6F2CD641BA5F}" type="datetimeFigureOut">
               <a:rPr lang="ko-KR" altLang="en-US" smtClean="0"/>
-              <a:t>2020-08-31</a:t>
+              <a:t>2020-09-04</a:t>
             </a:fld>
             <a:endParaRPr lang="ko-KR" altLang="en-US"/>
           </a:p>
@@ -1413,7 +1413,7 @@
           <a:p>
             <a:fld id="{68698B24-F54D-4BF0-82E9-6F2CD641BA5F}" type="datetimeFigureOut">
               <a:rPr lang="ko-KR" altLang="en-US" smtClean="0"/>
-              <a:t>2020-08-31</a:t>
+              <a:t>2020-09-04</a:t>
             </a:fld>
             <a:endParaRPr lang="ko-KR" altLang="en-US"/>
           </a:p>
@@ -1825,7 +1825,7 @@
           <a:p>
             <a:fld id="{68698B24-F54D-4BF0-82E9-6F2CD641BA5F}" type="datetimeFigureOut">
               <a:rPr lang="ko-KR" altLang="en-US" smtClean="0"/>
-              <a:t>2020-08-31</a:t>
+              <a:t>2020-09-04</a:t>
             </a:fld>
             <a:endParaRPr lang="ko-KR" altLang="en-US"/>
           </a:p>
@@ -1966,7 +1966,7 @@
           <a:p>
             <a:fld id="{68698B24-F54D-4BF0-82E9-6F2CD641BA5F}" type="datetimeFigureOut">
               <a:rPr lang="ko-KR" altLang="en-US" smtClean="0"/>
-              <a:t>2020-08-31</a:t>
+              <a:t>2020-09-04</a:t>
             </a:fld>
             <a:endParaRPr lang="ko-KR" altLang="en-US"/>
           </a:p>
@@ -2079,7 +2079,7 @@
           <a:p>
             <a:fld id="{68698B24-F54D-4BF0-82E9-6F2CD641BA5F}" type="datetimeFigureOut">
               <a:rPr lang="ko-KR" altLang="en-US" smtClean="0"/>
-              <a:t>2020-08-31</a:t>
+              <a:t>2020-09-04</a:t>
             </a:fld>
             <a:endParaRPr lang="ko-KR" altLang="en-US"/>
           </a:p>
@@ -2390,7 +2390,7 @@
           <a:p>
             <a:fld id="{68698B24-F54D-4BF0-82E9-6F2CD641BA5F}" type="datetimeFigureOut">
               <a:rPr lang="ko-KR" altLang="en-US" smtClean="0"/>
-              <a:t>2020-08-31</a:t>
+              <a:t>2020-09-04</a:t>
             </a:fld>
             <a:endParaRPr lang="ko-KR" altLang="en-US"/>
           </a:p>
@@ -2678,7 +2678,7 @@
           <a:p>
             <a:fld id="{68698B24-F54D-4BF0-82E9-6F2CD641BA5F}" type="datetimeFigureOut">
               <a:rPr lang="ko-KR" altLang="en-US" smtClean="0"/>
-              <a:t>2020-08-31</a:t>
+              <a:t>2020-09-04</a:t>
             </a:fld>
             <a:endParaRPr lang="ko-KR" altLang="en-US"/>
           </a:p>
@@ -2919,7 +2919,7 @@
           <a:p>
             <a:fld id="{68698B24-F54D-4BF0-82E9-6F2CD641BA5F}" type="datetimeFigureOut">
               <a:rPr lang="ko-KR" altLang="en-US" smtClean="0"/>
-              <a:t>2020-08-31</a:t>
+              <a:t>2020-09-04</a:t>
             </a:fld>
             <a:endParaRPr lang="ko-KR" altLang="en-US"/>
           </a:p>
@@ -11095,9 +11095,9 @@
         <p:grpSpPr>
           <a:xfrm>
             <a:off x="635707" y="795396"/>
-            <a:ext cx="3420766" cy="1820503"/>
+            <a:ext cx="3432433" cy="1820503"/>
             <a:chOff x="5287786" y="3429000"/>
-            <a:chExt cx="3420766" cy="1820503"/>
+            <a:chExt cx="3432433" cy="1820503"/>
           </a:xfrm>
         </p:grpSpPr>
         <p:sp>
@@ -11218,8 +11218,8 @@
           </p:nvSpPr>
           <p:spPr>
             <a:xfrm>
-              <a:off x="5287789" y="3429000"/>
-              <a:ext cx="1366390" cy="769571"/>
+              <a:off x="5287789" y="3429001"/>
+              <a:ext cx="1366390" cy="670787"/>
             </a:xfrm>
             <a:prstGeom prst="rect">
               <a:avLst/>
@@ -11270,7 +11270,7 @@
           </p:nvSpPr>
           <p:spPr>
             <a:xfrm>
-              <a:off x="7114118" y="3971340"/>
+              <a:off x="7125782" y="3881799"/>
               <a:ext cx="1594434" cy="338554"/>
             </a:xfrm>
             <a:prstGeom prst="rect">
@@ -11446,8 +11446,8 @@
           </p:nvSpPr>
           <p:spPr>
             <a:xfrm>
-              <a:off x="7625424" y="3781648"/>
-              <a:ext cx="575213" cy="215444"/>
+              <a:off x="7125784" y="3764290"/>
+              <a:ext cx="1594435" cy="215444"/>
             </a:xfrm>
             <a:prstGeom prst="rect">
               <a:avLst/>
@@ -11493,7 +11493,7 @@
           <p:spPr>
             <a:xfrm>
               <a:off x="7114119" y="3429257"/>
-              <a:ext cx="1594433" cy="889949"/>
+              <a:ext cx="1594433" cy="771217"/>
             </a:xfrm>
             <a:prstGeom prst="rect">
               <a:avLst/>
@@ -11548,8 +11548,8 @@
           </p:nvCxnSpPr>
           <p:spPr>
             <a:xfrm flipV="1">
-              <a:off x="6654178" y="3598534"/>
-              <a:ext cx="459942" cy="1530894"/>
+              <a:off x="6654175" y="3598534"/>
+              <a:ext cx="459945" cy="1462652"/>
             </a:xfrm>
             <a:prstGeom prst="bentConnector3">
               <a:avLst>
@@ -11595,13 +11595,13 @@
             <p:nvPr/>
           </p:nvCxnSpPr>
           <p:spPr>
-            <a:xfrm>
-              <a:off x="8200637" y="3889370"/>
-              <a:ext cx="241213" cy="580499"/>
+            <a:xfrm flipH="1">
+              <a:off x="8441850" y="3872012"/>
+              <a:ext cx="278369" cy="597857"/>
             </a:xfrm>
             <a:prstGeom prst="bentConnector3">
               <a:avLst>
-                <a:gd name="adj1" fmla="val 257952"/>
+                <a:gd name="adj1" fmla="val -82121"/>
               </a:avLst>
             </a:prstGeom>
             <a:ln w="19050">
@@ -11852,7 +11852,7 @@
           </p:nvSpPr>
           <p:spPr>
             <a:xfrm>
-              <a:off x="5287787" y="3962710"/>
+              <a:off x="5287787" y="3905445"/>
               <a:ext cx="1366388" cy="215444"/>
             </a:xfrm>
             <a:prstGeom prst="rect">
@@ -11904,7 +11904,7 @@
           <p:spPr>
             <a:xfrm flipV="1">
               <a:off x="6654175" y="3598534"/>
-              <a:ext cx="459945" cy="471898"/>
+              <a:ext cx="459945" cy="414633"/>
             </a:xfrm>
             <a:prstGeom prst="bentConnector3">
               <a:avLst>
@@ -12051,8 +12051,8 @@
           </p:nvSpPr>
           <p:spPr>
             <a:xfrm>
-              <a:off x="5287792" y="4479931"/>
-              <a:ext cx="1366390" cy="769571"/>
+              <a:off x="5287792" y="4479932"/>
+              <a:ext cx="1366390" cy="661849"/>
             </a:xfrm>
             <a:prstGeom prst="rect">
               <a:avLst/>
@@ -12103,7 +12103,7 @@
           </p:nvSpPr>
           <p:spPr>
             <a:xfrm>
-              <a:off x="5287790" y="5021706"/>
+              <a:off x="5287787" y="4953464"/>
               <a:ext cx="1366388" cy="215444"/>
             </a:xfrm>
             <a:prstGeom prst="rect">
